--- a/Software/Mockups/mockup creator.pptx
+++ b/Software/Mockups/mockup creator.pptx
@@ -105,6 +105,11 @@
       </a:defRPr>
     </a:lvl9pPr>
   </p:defaultTextStyle>
+  <p:extLst>
+    <p:ext uri="{EFAFB233-063F-42B5-8137-9DF3F51BA10A}">
+      <p15:sldGuideLst xmlns:p15="http://schemas.microsoft.com/office/powerpoint/2012/main"/>
+    </p:ext>
+  </p:extLst>
 </p:presentation>
 </file>
 
@@ -255,7 +260,7 @@
           <a:p>
             <a:fld id="{2F578FF7-DFF4-4A29-81C6-6A2A8105D21A}" type="datetimeFigureOut">
               <a:rPr lang="en-GB" smtClean="0"/>
-              <a:t>01/02/2025</a:t>
+              <a:t>02/02/2025</a:t>
             </a:fld>
             <a:endParaRPr lang="en-GB"/>
           </a:p>
@@ -453,7 +458,7 @@
           <a:p>
             <a:fld id="{2F578FF7-DFF4-4A29-81C6-6A2A8105D21A}" type="datetimeFigureOut">
               <a:rPr lang="en-GB" smtClean="0"/>
-              <a:t>01/02/2025</a:t>
+              <a:t>02/02/2025</a:t>
             </a:fld>
             <a:endParaRPr lang="en-GB"/>
           </a:p>
@@ -661,7 +666,7 @@
           <a:p>
             <a:fld id="{2F578FF7-DFF4-4A29-81C6-6A2A8105D21A}" type="datetimeFigureOut">
               <a:rPr lang="en-GB" smtClean="0"/>
-              <a:t>01/02/2025</a:t>
+              <a:t>02/02/2025</a:t>
             </a:fld>
             <a:endParaRPr lang="en-GB"/>
           </a:p>
@@ -859,7 +864,7 @@
           <a:p>
             <a:fld id="{2F578FF7-DFF4-4A29-81C6-6A2A8105D21A}" type="datetimeFigureOut">
               <a:rPr lang="en-GB" smtClean="0"/>
-              <a:t>01/02/2025</a:t>
+              <a:t>02/02/2025</a:t>
             </a:fld>
             <a:endParaRPr lang="en-GB"/>
           </a:p>
@@ -1134,7 +1139,7 @@
           <a:p>
             <a:fld id="{2F578FF7-DFF4-4A29-81C6-6A2A8105D21A}" type="datetimeFigureOut">
               <a:rPr lang="en-GB" smtClean="0"/>
-              <a:t>01/02/2025</a:t>
+              <a:t>02/02/2025</a:t>
             </a:fld>
             <a:endParaRPr lang="en-GB"/>
           </a:p>
@@ -1399,7 +1404,7 @@
           <a:p>
             <a:fld id="{2F578FF7-DFF4-4A29-81C6-6A2A8105D21A}" type="datetimeFigureOut">
               <a:rPr lang="en-GB" smtClean="0"/>
-              <a:t>01/02/2025</a:t>
+              <a:t>02/02/2025</a:t>
             </a:fld>
             <a:endParaRPr lang="en-GB"/>
           </a:p>
@@ -1811,7 +1816,7 @@
           <a:p>
             <a:fld id="{2F578FF7-DFF4-4A29-81C6-6A2A8105D21A}" type="datetimeFigureOut">
               <a:rPr lang="en-GB" smtClean="0"/>
-              <a:t>01/02/2025</a:t>
+              <a:t>02/02/2025</a:t>
             </a:fld>
             <a:endParaRPr lang="en-GB"/>
           </a:p>
@@ -1952,7 +1957,7 @@
           <a:p>
             <a:fld id="{2F578FF7-DFF4-4A29-81C6-6A2A8105D21A}" type="datetimeFigureOut">
               <a:rPr lang="en-GB" smtClean="0"/>
-              <a:t>01/02/2025</a:t>
+              <a:t>02/02/2025</a:t>
             </a:fld>
             <a:endParaRPr lang="en-GB"/>
           </a:p>
@@ -2065,7 +2070,7 @@
           <a:p>
             <a:fld id="{2F578FF7-DFF4-4A29-81C6-6A2A8105D21A}" type="datetimeFigureOut">
               <a:rPr lang="en-GB" smtClean="0"/>
-              <a:t>01/02/2025</a:t>
+              <a:t>02/02/2025</a:t>
             </a:fld>
             <a:endParaRPr lang="en-GB"/>
           </a:p>
@@ -2376,7 +2381,7 @@
           <a:p>
             <a:fld id="{2F578FF7-DFF4-4A29-81C6-6A2A8105D21A}" type="datetimeFigureOut">
               <a:rPr lang="en-GB" smtClean="0"/>
-              <a:t>01/02/2025</a:t>
+              <a:t>02/02/2025</a:t>
             </a:fld>
             <a:endParaRPr lang="en-GB"/>
           </a:p>
@@ -2664,7 +2669,7 @@
           <a:p>
             <a:fld id="{2F578FF7-DFF4-4A29-81C6-6A2A8105D21A}" type="datetimeFigureOut">
               <a:rPr lang="en-GB" smtClean="0"/>
-              <a:t>01/02/2025</a:t>
+              <a:t>02/02/2025</a:t>
             </a:fld>
             <a:endParaRPr lang="en-GB"/>
           </a:p>
@@ -2905,7 +2910,7 @@
           <a:p>
             <a:fld id="{2F578FF7-DFF4-4A29-81C6-6A2A8105D21A}" type="datetimeFigureOut">
               <a:rPr lang="en-GB" smtClean="0"/>
-              <a:t>01/02/2025</a:t>
+              <a:t>02/02/2025</a:t>
             </a:fld>
             <a:endParaRPr lang="en-GB"/>
           </a:p>
@@ -3927,6 +3932,46 @@
           </a:p>
         </p:txBody>
       </p:sp>
+      <p:sp>
+        <p:nvSpPr>
+          <p:cNvPr id="2" name="TextBox 1">
+            <a:extLst>
+              <a:ext uri="{FF2B5EF4-FFF2-40B4-BE49-F238E27FC236}">
+                <a16:creationId xmlns:a16="http://schemas.microsoft.com/office/drawing/2014/main" id="{20F149B5-A19C-72E3-134E-5E28E0DB10BB}"/>
+              </a:ext>
+            </a:extLst>
+          </p:cNvPr>
+          <p:cNvSpPr txBox="1"/>
+          <p:nvPr/>
+        </p:nvSpPr>
+        <p:spPr>
+          <a:xfrm>
+            <a:off x="3253467" y="2935061"/>
+            <a:ext cx="3004457" cy="369332"/>
+          </a:xfrm>
+          <a:prstGeom prst="rect">
+            <a:avLst/>
+          </a:prstGeom>
+          <a:noFill/>
+        </p:spPr>
+        <p:txBody>
+          <a:bodyPr wrap="square" rtlCol="0">
+            <a:spAutoFit/>
+          </a:bodyPr>
+          <a:lstStyle/>
+          <a:p>
+            <a:r>
+              <a:rPr lang="en-GB" dirty="0">
+                <a:solidFill>
+                  <a:srgbClr val="00B0F0"/>
+                </a:solidFill>
+                <a:latin typeface="ssTTF" panose="05010101010101010101" pitchFamily="2" charset="2"/>
+              </a:rPr>
+              <a:t>GSM-R GB	    1Z99</a:t>
+            </a:r>
+          </a:p>
+        </p:txBody>
+      </p:sp>
     </p:spTree>
     <p:extLst>
       <p:ext uri="{BB962C8B-B14F-4D97-AF65-F5344CB8AC3E}">
@@ -4194,7 +4239,7 @@
         </p:nvSpPr>
         <p:spPr>
           <a:xfrm>
-            <a:off x="8947152" y="5105290"/>
+            <a:off x="9279086" y="5164992"/>
             <a:ext cx="2716642" cy="719883"/>
           </a:xfrm>
           <a:prstGeom prst="rect">

--- a/Software/Mockups/mockup creator.pptx
+++ b/Software/Mockups/mockup creator.pptx
@@ -260,7 +260,7 @@
           <a:p>
             <a:fld id="{2F578FF7-DFF4-4A29-81C6-6A2A8105D21A}" type="datetimeFigureOut">
               <a:rPr lang="en-GB" smtClean="0"/>
-              <a:t>02/02/2025</a:t>
+              <a:t>03/02/2025</a:t>
             </a:fld>
             <a:endParaRPr lang="en-GB"/>
           </a:p>
@@ -458,7 +458,7 @@
           <a:p>
             <a:fld id="{2F578FF7-DFF4-4A29-81C6-6A2A8105D21A}" type="datetimeFigureOut">
               <a:rPr lang="en-GB" smtClean="0"/>
-              <a:t>02/02/2025</a:t>
+              <a:t>03/02/2025</a:t>
             </a:fld>
             <a:endParaRPr lang="en-GB"/>
           </a:p>
@@ -666,7 +666,7 @@
           <a:p>
             <a:fld id="{2F578FF7-DFF4-4A29-81C6-6A2A8105D21A}" type="datetimeFigureOut">
               <a:rPr lang="en-GB" smtClean="0"/>
-              <a:t>02/02/2025</a:t>
+              <a:t>03/02/2025</a:t>
             </a:fld>
             <a:endParaRPr lang="en-GB"/>
           </a:p>
@@ -864,7 +864,7 @@
           <a:p>
             <a:fld id="{2F578FF7-DFF4-4A29-81C6-6A2A8105D21A}" type="datetimeFigureOut">
               <a:rPr lang="en-GB" smtClean="0"/>
-              <a:t>02/02/2025</a:t>
+              <a:t>03/02/2025</a:t>
             </a:fld>
             <a:endParaRPr lang="en-GB"/>
           </a:p>
@@ -1139,7 +1139,7 @@
           <a:p>
             <a:fld id="{2F578FF7-DFF4-4A29-81C6-6A2A8105D21A}" type="datetimeFigureOut">
               <a:rPr lang="en-GB" smtClean="0"/>
-              <a:t>02/02/2025</a:t>
+              <a:t>03/02/2025</a:t>
             </a:fld>
             <a:endParaRPr lang="en-GB"/>
           </a:p>
@@ -1404,7 +1404,7 @@
           <a:p>
             <a:fld id="{2F578FF7-DFF4-4A29-81C6-6A2A8105D21A}" type="datetimeFigureOut">
               <a:rPr lang="en-GB" smtClean="0"/>
-              <a:t>02/02/2025</a:t>
+              <a:t>03/02/2025</a:t>
             </a:fld>
             <a:endParaRPr lang="en-GB"/>
           </a:p>
@@ -1816,7 +1816,7 @@
           <a:p>
             <a:fld id="{2F578FF7-DFF4-4A29-81C6-6A2A8105D21A}" type="datetimeFigureOut">
               <a:rPr lang="en-GB" smtClean="0"/>
-              <a:t>02/02/2025</a:t>
+              <a:t>03/02/2025</a:t>
             </a:fld>
             <a:endParaRPr lang="en-GB"/>
           </a:p>
@@ -1957,7 +1957,7 @@
           <a:p>
             <a:fld id="{2F578FF7-DFF4-4A29-81C6-6A2A8105D21A}" type="datetimeFigureOut">
               <a:rPr lang="en-GB" smtClean="0"/>
-              <a:t>02/02/2025</a:t>
+              <a:t>03/02/2025</a:t>
             </a:fld>
             <a:endParaRPr lang="en-GB"/>
           </a:p>
@@ -2070,7 +2070,7 @@
           <a:p>
             <a:fld id="{2F578FF7-DFF4-4A29-81C6-6A2A8105D21A}" type="datetimeFigureOut">
               <a:rPr lang="en-GB" smtClean="0"/>
-              <a:t>02/02/2025</a:t>
+              <a:t>03/02/2025</a:t>
             </a:fld>
             <a:endParaRPr lang="en-GB"/>
           </a:p>
@@ -2381,7 +2381,7 @@
           <a:p>
             <a:fld id="{2F578FF7-DFF4-4A29-81C6-6A2A8105D21A}" type="datetimeFigureOut">
               <a:rPr lang="en-GB" smtClean="0"/>
-              <a:t>02/02/2025</a:t>
+              <a:t>03/02/2025</a:t>
             </a:fld>
             <a:endParaRPr lang="en-GB"/>
           </a:p>
@@ -2669,7 +2669,7 @@
           <a:p>
             <a:fld id="{2F578FF7-DFF4-4A29-81C6-6A2A8105D21A}" type="datetimeFigureOut">
               <a:rPr lang="en-GB" smtClean="0"/>
-              <a:t>02/02/2025</a:t>
+              <a:t>03/02/2025</a:t>
             </a:fld>
             <a:endParaRPr lang="en-GB"/>
           </a:p>
@@ -2910,7 +2910,7 @@
           <a:p>
             <a:fld id="{2F578FF7-DFF4-4A29-81C6-6A2A8105D21A}" type="datetimeFigureOut">
               <a:rPr lang="en-GB" smtClean="0"/>
-              <a:t>02/02/2025</a:t>
+              <a:t>03/02/2025</a:t>
             </a:fld>
             <a:endParaRPr lang="en-GB"/>
           </a:p>
@@ -3448,8 +3448,8 @@
         </p:nvSpPr>
         <p:spPr>
           <a:xfrm>
-            <a:off x="8668328" y="1233055"/>
-            <a:ext cx="3223490" cy="4724400"/>
+            <a:off x="9077739" y="1286063"/>
+            <a:ext cx="3105628" cy="4724400"/>
           </a:xfrm>
           <a:prstGeom prst="rect">
             <a:avLst/>
@@ -3712,7 +3712,7 @@
         </p:nvSpPr>
         <p:spPr>
           <a:xfrm>
-            <a:off x="8947152" y="1333066"/>
+            <a:off x="9291709" y="1386074"/>
             <a:ext cx="2716642" cy="719883"/>
           </a:xfrm>
           <a:prstGeom prst="rect">
@@ -3770,7 +3770,7 @@
         </p:nvSpPr>
         <p:spPr>
           <a:xfrm>
-            <a:off x="8947152" y="5105290"/>
+            <a:off x="9291709" y="5158298"/>
             <a:ext cx="2716642" cy="719883"/>
           </a:xfrm>
           <a:prstGeom prst="rect">
@@ -3828,7 +3828,7 @@
         </p:nvSpPr>
         <p:spPr>
           <a:xfrm>
-            <a:off x="8921752" y="4080558"/>
+            <a:off x="9266309" y="4133566"/>
             <a:ext cx="2716642" cy="719883"/>
           </a:xfrm>
           <a:prstGeom prst="rect">

--- a/Software/Mockups/mockup creator.pptx
+++ b/Software/Mockups/mockup creator.pptx
@@ -260,7 +260,7 @@
           <a:p>
             <a:fld id="{2F578FF7-DFF4-4A29-81C6-6A2A8105D21A}" type="datetimeFigureOut">
               <a:rPr lang="en-GB" smtClean="0"/>
-              <a:t>03/02/2025</a:t>
+              <a:t>04/02/2025</a:t>
             </a:fld>
             <a:endParaRPr lang="en-GB"/>
           </a:p>
@@ -458,7 +458,7 @@
           <a:p>
             <a:fld id="{2F578FF7-DFF4-4A29-81C6-6A2A8105D21A}" type="datetimeFigureOut">
               <a:rPr lang="en-GB" smtClean="0"/>
-              <a:t>03/02/2025</a:t>
+              <a:t>04/02/2025</a:t>
             </a:fld>
             <a:endParaRPr lang="en-GB"/>
           </a:p>
@@ -666,7 +666,7 @@
           <a:p>
             <a:fld id="{2F578FF7-DFF4-4A29-81C6-6A2A8105D21A}" type="datetimeFigureOut">
               <a:rPr lang="en-GB" smtClean="0"/>
-              <a:t>03/02/2025</a:t>
+              <a:t>04/02/2025</a:t>
             </a:fld>
             <a:endParaRPr lang="en-GB"/>
           </a:p>
@@ -864,7 +864,7 @@
           <a:p>
             <a:fld id="{2F578FF7-DFF4-4A29-81C6-6A2A8105D21A}" type="datetimeFigureOut">
               <a:rPr lang="en-GB" smtClean="0"/>
-              <a:t>03/02/2025</a:t>
+              <a:t>04/02/2025</a:t>
             </a:fld>
             <a:endParaRPr lang="en-GB"/>
           </a:p>
@@ -1139,7 +1139,7 @@
           <a:p>
             <a:fld id="{2F578FF7-DFF4-4A29-81C6-6A2A8105D21A}" type="datetimeFigureOut">
               <a:rPr lang="en-GB" smtClean="0"/>
-              <a:t>03/02/2025</a:t>
+              <a:t>04/02/2025</a:t>
             </a:fld>
             <a:endParaRPr lang="en-GB"/>
           </a:p>
@@ -1404,7 +1404,7 @@
           <a:p>
             <a:fld id="{2F578FF7-DFF4-4A29-81C6-6A2A8105D21A}" type="datetimeFigureOut">
               <a:rPr lang="en-GB" smtClean="0"/>
-              <a:t>03/02/2025</a:t>
+              <a:t>04/02/2025</a:t>
             </a:fld>
             <a:endParaRPr lang="en-GB"/>
           </a:p>
@@ -1816,7 +1816,7 @@
           <a:p>
             <a:fld id="{2F578FF7-DFF4-4A29-81C6-6A2A8105D21A}" type="datetimeFigureOut">
               <a:rPr lang="en-GB" smtClean="0"/>
-              <a:t>03/02/2025</a:t>
+              <a:t>04/02/2025</a:t>
             </a:fld>
             <a:endParaRPr lang="en-GB"/>
           </a:p>
@@ -1957,7 +1957,7 @@
           <a:p>
             <a:fld id="{2F578FF7-DFF4-4A29-81C6-6A2A8105D21A}" type="datetimeFigureOut">
               <a:rPr lang="en-GB" smtClean="0"/>
-              <a:t>03/02/2025</a:t>
+              <a:t>04/02/2025</a:t>
             </a:fld>
             <a:endParaRPr lang="en-GB"/>
           </a:p>
@@ -2070,7 +2070,7 @@
           <a:p>
             <a:fld id="{2F578FF7-DFF4-4A29-81C6-6A2A8105D21A}" type="datetimeFigureOut">
               <a:rPr lang="en-GB" smtClean="0"/>
-              <a:t>03/02/2025</a:t>
+              <a:t>04/02/2025</a:t>
             </a:fld>
             <a:endParaRPr lang="en-GB"/>
           </a:p>
@@ -2381,7 +2381,7 @@
           <a:p>
             <a:fld id="{2F578FF7-DFF4-4A29-81C6-6A2A8105D21A}" type="datetimeFigureOut">
               <a:rPr lang="en-GB" smtClean="0"/>
-              <a:t>03/02/2025</a:t>
+              <a:t>04/02/2025</a:t>
             </a:fld>
             <a:endParaRPr lang="en-GB"/>
           </a:p>
@@ -2669,7 +2669,7 @@
           <a:p>
             <a:fld id="{2F578FF7-DFF4-4A29-81C6-6A2A8105D21A}" type="datetimeFigureOut">
               <a:rPr lang="en-GB" smtClean="0"/>
-              <a:t>03/02/2025</a:t>
+              <a:t>04/02/2025</a:t>
             </a:fld>
             <a:endParaRPr lang="en-GB"/>
           </a:p>
@@ -2910,7 +2910,7 @@
           <a:p>
             <a:fld id="{2F578FF7-DFF4-4A29-81C6-6A2A8105D21A}" type="datetimeFigureOut">
               <a:rPr lang="en-GB" smtClean="0"/>
-              <a:t>03/02/2025</a:t>
+              <a:t>04/02/2025</a:t>
             </a:fld>
             <a:endParaRPr lang="en-GB"/>
           </a:p>
@@ -3712,7 +3712,7 @@
         </p:nvSpPr>
         <p:spPr>
           <a:xfrm>
-            <a:off x="9291709" y="1386074"/>
+            <a:off x="9291709" y="2601803"/>
             <a:ext cx="2716642" cy="719883"/>
           </a:xfrm>
           <a:prstGeom prst="rect">
@@ -3751,7 +3751,7 @@
                 <a:latin typeface="Calibri" panose="020F0502020204030204" pitchFamily="34" charset="0"/>
                 <a:cs typeface="Calibri" panose="020F0502020204030204" pitchFamily="34" charset="0"/>
               </a:rPr>
-              <a:t>Turn On</a:t>
+              <a:t>umm</a:t>
             </a:r>
           </a:p>
         </p:txBody>
@@ -3828,7 +3828,7 @@
         </p:nvSpPr>
         <p:spPr>
           <a:xfrm>
-            <a:off x="9266309" y="4133566"/>
+            <a:off x="9291709" y="4306133"/>
             <a:ext cx="2716642" cy="719883"/>
           </a:xfrm>
           <a:prstGeom prst="rect">
@@ -3968,6 +3968,124 @@
                 <a:latin typeface="ssTTF" panose="05010101010101010101" pitchFamily="2" charset="2"/>
               </a:rPr>
               <a:t>GSM-R GB	    1Z99</a:t>
+            </a:r>
+          </a:p>
+        </p:txBody>
+      </p:sp>
+      <p:sp>
+        <p:nvSpPr>
+          <p:cNvPr id="3" name="Rectangle 2">
+            <a:extLst>
+              <a:ext uri="{FF2B5EF4-FFF2-40B4-BE49-F238E27FC236}">
+                <a16:creationId xmlns:a16="http://schemas.microsoft.com/office/drawing/2014/main" id="{FD5BA50C-8736-3CDF-AB44-303951DD7B34}"/>
+              </a:ext>
+            </a:extLst>
+          </p:cNvPr>
+          <p:cNvSpPr/>
+          <p:nvPr/>
+        </p:nvSpPr>
+        <p:spPr>
+          <a:xfrm>
+            <a:off x="9291709" y="3453968"/>
+            <a:ext cx="2716642" cy="719883"/>
+          </a:xfrm>
+          <a:prstGeom prst="rect">
+            <a:avLst/>
+          </a:prstGeom>
+          <a:solidFill>
+            <a:schemeClr val="accent2"/>
+          </a:solidFill>
+          <a:ln>
+            <a:noFill/>
+          </a:ln>
+        </p:spPr>
+        <p:style>
+          <a:lnRef idx="2">
+            <a:schemeClr val="accent1">
+              <a:shade val="15000"/>
+            </a:schemeClr>
+          </a:lnRef>
+          <a:fillRef idx="1">
+            <a:schemeClr val="accent1"/>
+          </a:fillRef>
+          <a:effectRef idx="0">
+            <a:schemeClr val="accent1"/>
+          </a:effectRef>
+          <a:fontRef idx="minor">
+            <a:schemeClr val="lt1"/>
+          </a:fontRef>
+        </p:style>
+        <p:txBody>
+          <a:bodyPr rtlCol="0" anchor="ctr"/>
+          <a:lstStyle/>
+          <a:p>
+            <a:pPr algn="ctr"/>
+            <a:r>
+              <a:rPr lang="en-GB" dirty="0">
+                <a:latin typeface="Calibri" panose="020F0502020204030204" pitchFamily="34" charset="0"/>
+                <a:cs typeface="Calibri" panose="020F0502020204030204" pitchFamily="34" charset="0"/>
+              </a:rPr>
+              <a:t>Messages</a:t>
+            </a:r>
+          </a:p>
+        </p:txBody>
+      </p:sp>
+      <p:sp>
+        <p:nvSpPr>
+          <p:cNvPr id="4" name="Rectangle 3">
+            <a:extLst>
+              <a:ext uri="{FF2B5EF4-FFF2-40B4-BE49-F238E27FC236}">
+                <a16:creationId xmlns:a16="http://schemas.microsoft.com/office/drawing/2014/main" id="{B594213B-2DC9-89BC-DCC0-931793117732}"/>
+              </a:ext>
+            </a:extLst>
+          </p:cNvPr>
+          <p:cNvSpPr/>
+          <p:nvPr/>
+        </p:nvSpPr>
+        <p:spPr>
+          <a:xfrm>
+            <a:off x="9291709" y="1749638"/>
+            <a:ext cx="2716642" cy="719883"/>
+          </a:xfrm>
+          <a:prstGeom prst="rect">
+            <a:avLst/>
+          </a:prstGeom>
+          <a:solidFill>
+            <a:schemeClr val="accent4">
+              <a:lumMod val="50000"/>
+            </a:schemeClr>
+          </a:solidFill>
+          <a:ln>
+            <a:noFill/>
+          </a:ln>
+        </p:spPr>
+        <p:style>
+          <a:lnRef idx="2">
+            <a:schemeClr val="accent1">
+              <a:shade val="15000"/>
+            </a:schemeClr>
+          </a:lnRef>
+          <a:fillRef idx="1">
+            <a:schemeClr val="accent1"/>
+          </a:fillRef>
+          <a:effectRef idx="0">
+            <a:schemeClr val="accent1"/>
+          </a:effectRef>
+          <a:fontRef idx="minor">
+            <a:schemeClr val="lt1"/>
+          </a:fontRef>
+        </p:style>
+        <p:txBody>
+          <a:bodyPr rtlCol="0" anchor="ctr"/>
+          <a:lstStyle/>
+          <a:p>
+            <a:pPr algn="ctr"/>
+            <a:r>
+              <a:rPr lang="en-GB" dirty="0">
+                <a:latin typeface="Calibri" panose="020F0502020204030204" pitchFamily="34" charset="0"/>
+                <a:cs typeface="Calibri" panose="020F0502020204030204" pitchFamily="34" charset="0"/>
+              </a:rPr>
+              <a:t>Turn On</a:t>
             </a:r>
           </a:p>
         </p:txBody>
@@ -4220,7 +4338,7 @@
                 <a:latin typeface="Calibri" panose="020F0502020204030204" pitchFamily="34" charset="0"/>
                 <a:cs typeface="Calibri" panose="020F0502020204030204" pitchFamily="34" charset="0"/>
               </a:rPr>
-              <a:t>Game</a:t>
+              <a:t>Game Settings</a:t>
             </a:r>
           </a:p>
         </p:txBody>
@@ -4453,13 +4571,10 @@
           <a:lstStyle/>
           <a:p>
             <a:pPr algn="ctr"/>
-            <a:r>
-              <a:rPr lang="en-GB" dirty="0">
-                <a:latin typeface="Calibri" panose="020F0502020204030204" pitchFamily="34" charset="0"/>
-                <a:cs typeface="Calibri" panose="020F0502020204030204" pitchFamily="34" charset="0"/>
-              </a:rPr>
-              <a:t>Phone Book List</a:t>
-            </a:r>
+            <a:endParaRPr lang="en-GB" dirty="0">
+              <a:latin typeface="Calibri" panose="020F0502020204030204" pitchFamily="34" charset="0"/>
+              <a:cs typeface="Calibri" panose="020F0502020204030204" pitchFamily="34" charset="0"/>
+            </a:endParaRPr>
           </a:p>
         </p:txBody>
       </p:sp>

--- a/Software/Mockups/mockup creator.pptx
+++ b/Software/Mockups/mockup creator.pptx
@@ -260,7 +260,7 @@
           <a:p>
             <a:fld id="{2F578FF7-DFF4-4A29-81C6-6A2A8105D21A}" type="datetimeFigureOut">
               <a:rPr lang="en-GB" smtClean="0"/>
-              <a:t>04/02/2025</a:t>
+              <a:t>21/02/2025</a:t>
             </a:fld>
             <a:endParaRPr lang="en-GB"/>
           </a:p>
@@ -458,7 +458,7 @@
           <a:p>
             <a:fld id="{2F578FF7-DFF4-4A29-81C6-6A2A8105D21A}" type="datetimeFigureOut">
               <a:rPr lang="en-GB" smtClean="0"/>
-              <a:t>04/02/2025</a:t>
+              <a:t>21/02/2025</a:t>
             </a:fld>
             <a:endParaRPr lang="en-GB"/>
           </a:p>
@@ -666,7 +666,7 @@
           <a:p>
             <a:fld id="{2F578FF7-DFF4-4A29-81C6-6A2A8105D21A}" type="datetimeFigureOut">
               <a:rPr lang="en-GB" smtClean="0"/>
-              <a:t>04/02/2025</a:t>
+              <a:t>21/02/2025</a:t>
             </a:fld>
             <a:endParaRPr lang="en-GB"/>
           </a:p>
@@ -864,7 +864,7 @@
           <a:p>
             <a:fld id="{2F578FF7-DFF4-4A29-81C6-6A2A8105D21A}" type="datetimeFigureOut">
               <a:rPr lang="en-GB" smtClean="0"/>
-              <a:t>04/02/2025</a:t>
+              <a:t>21/02/2025</a:t>
             </a:fld>
             <a:endParaRPr lang="en-GB"/>
           </a:p>
@@ -1139,7 +1139,7 @@
           <a:p>
             <a:fld id="{2F578FF7-DFF4-4A29-81C6-6A2A8105D21A}" type="datetimeFigureOut">
               <a:rPr lang="en-GB" smtClean="0"/>
-              <a:t>04/02/2025</a:t>
+              <a:t>21/02/2025</a:t>
             </a:fld>
             <a:endParaRPr lang="en-GB"/>
           </a:p>
@@ -1404,7 +1404,7 @@
           <a:p>
             <a:fld id="{2F578FF7-DFF4-4A29-81C6-6A2A8105D21A}" type="datetimeFigureOut">
               <a:rPr lang="en-GB" smtClean="0"/>
-              <a:t>04/02/2025</a:t>
+              <a:t>21/02/2025</a:t>
             </a:fld>
             <a:endParaRPr lang="en-GB"/>
           </a:p>
@@ -1816,7 +1816,7 @@
           <a:p>
             <a:fld id="{2F578FF7-DFF4-4A29-81C6-6A2A8105D21A}" type="datetimeFigureOut">
               <a:rPr lang="en-GB" smtClean="0"/>
-              <a:t>04/02/2025</a:t>
+              <a:t>21/02/2025</a:t>
             </a:fld>
             <a:endParaRPr lang="en-GB"/>
           </a:p>
@@ -1957,7 +1957,7 @@
           <a:p>
             <a:fld id="{2F578FF7-DFF4-4A29-81C6-6A2A8105D21A}" type="datetimeFigureOut">
               <a:rPr lang="en-GB" smtClean="0"/>
-              <a:t>04/02/2025</a:t>
+              <a:t>21/02/2025</a:t>
             </a:fld>
             <a:endParaRPr lang="en-GB"/>
           </a:p>
@@ -2070,7 +2070,7 @@
           <a:p>
             <a:fld id="{2F578FF7-DFF4-4A29-81C6-6A2A8105D21A}" type="datetimeFigureOut">
               <a:rPr lang="en-GB" smtClean="0"/>
-              <a:t>04/02/2025</a:t>
+              <a:t>21/02/2025</a:t>
             </a:fld>
             <a:endParaRPr lang="en-GB"/>
           </a:p>
@@ -2381,7 +2381,7 @@
           <a:p>
             <a:fld id="{2F578FF7-DFF4-4A29-81C6-6A2A8105D21A}" type="datetimeFigureOut">
               <a:rPr lang="en-GB" smtClean="0"/>
-              <a:t>04/02/2025</a:t>
+              <a:t>21/02/2025</a:t>
             </a:fld>
             <a:endParaRPr lang="en-GB"/>
           </a:p>
@@ -2669,7 +2669,7 @@
           <a:p>
             <a:fld id="{2F578FF7-DFF4-4A29-81C6-6A2A8105D21A}" type="datetimeFigureOut">
               <a:rPr lang="en-GB" smtClean="0"/>
-              <a:t>04/02/2025</a:t>
+              <a:t>21/02/2025</a:t>
             </a:fld>
             <a:endParaRPr lang="en-GB"/>
           </a:p>
@@ -2910,7 +2910,7 @@
           <a:p>
             <a:fld id="{2F578FF7-DFF4-4A29-81C6-6A2A8105D21A}" type="datetimeFigureOut">
               <a:rPr lang="en-GB" smtClean="0"/>
-              <a:t>04/02/2025</a:t>
+              <a:t>21/02/2025</a:t>
             </a:fld>
             <a:endParaRPr lang="en-GB"/>
           </a:p>
@@ -3751,7 +3751,7 @@
                 <a:latin typeface="Calibri" panose="020F0502020204030204" pitchFamily="34" charset="0"/>
                 <a:cs typeface="Calibri" panose="020F0502020204030204" pitchFamily="34" charset="0"/>
               </a:rPr>
-              <a:t>umm</a:t>
+              <a:t>DefaultButton01</a:t>
             </a:r>
           </a:p>
         </p:txBody>
@@ -4086,6 +4086,74 @@
                 <a:cs typeface="Calibri" panose="020F0502020204030204" pitchFamily="34" charset="0"/>
               </a:rPr>
               <a:t>Turn On</a:t>
+            </a:r>
+          </a:p>
+        </p:txBody>
+      </p:sp>
+      <p:sp>
+        <p:nvSpPr>
+          <p:cNvPr id="17" name="Rectangle 16">
+            <a:extLst>
+              <a:ext uri="{FF2B5EF4-FFF2-40B4-BE49-F238E27FC236}">
+                <a16:creationId xmlns:a16="http://schemas.microsoft.com/office/drawing/2014/main" id="{4A86D224-1EE6-42CE-83BA-22A7FBFF33FE}"/>
+              </a:ext>
+            </a:extLst>
+          </p:cNvPr>
+          <p:cNvSpPr/>
+          <p:nvPr/>
+        </p:nvSpPr>
+        <p:spPr>
+          <a:xfrm>
+            <a:off x="4463302" y="5560973"/>
+            <a:ext cx="1654496" cy="969435"/>
+          </a:xfrm>
+          <a:prstGeom prst="rect">
+            <a:avLst/>
+          </a:prstGeom>
+          <a:solidFill>
+            <a:srgbClr val="00B0F0"/>
+          </a:solidFill>
+          <a:ln>
+            <a:noFill/>
+          </a:ln>
+        </p:spPr>
+        <p:style>
+          <a:lnRef idx="2">
+            <a:schemeClr val="accent1">
+              <a:shade val="15000"/>
+            </a:schemeClr>
+          </a:lnRef>
+          <a:fillRef idx="1">
+            <a:schemeClr val="accent1"/>
+          </a:fillRef>
+          <a:effectRef idx="0">
+            <a:schemeClr val="accent1"/>
+          </a:effectRef>
+          <a:fontRef idx="minor">
+            <a:schemeClr val="lt1"/>
+          </a:fontRef>
+        </p:style>
+        <p:txBody>
+          <a:bodyPr rtlCol="0" anchor="ctr"/>
+          <a:lstStyle/>
+          <a:p>
+            <a:pPr algn="ctr"/>
+            <a:r>
+              <a:rPr lang="en-GB" dirty="0">
+                <a:latin typeface="Calibri" panose="020F0502020204030204" pitchFamily="34" charset="0"/>
+                <a:cs typeface="Calibri" panose="020F0502020204030204" pitchFamily="34" charset="0"/>
+              </a:rPr>
+              <a:t>General</a:t>
+            </a:r>
+          </a:p>
+          <a:p>
+            <a:pPr algn="ctr"/>
+            <a:r>
+              <a:rPr lang="en-GB" dirty="0">
+                <a:latin typeface="Calibri" panose="020F0502020204030204" pitchFamily="34" charset="0"/>
+                <a:cs typeface="Calibri" panose="020F0502020204030204" pitchFamily="34" charset="0"/>
+              </a:rPr>
+              <a:t>Broadcast</a:t>
             </a:r>
           </a:p>
         </p:txBody>
@@ -4241,7 +4309,7 @@
         </p:nvSpPr>
         <p:spPr>
           <a:xfrm>
-            <a:off x="0" y="1333066"/>
+            <a:off x="-28136" y="1333066"/>
             <a:ext cx="12192000" cy="4724400"/>
           </a:xfrm>
           <a:prstGeom prst="rect">
@@ -4396,7 +4464,7 @@
                 <a:latin typeface="Calibri" panose="020F0502020204030204" pitchFamily="34" charset="0"/>
                 <a:cs typeface="Calibri" panose="020F0502020204030204" pitchFamily="34" charset="0"/>
               </a:rPr>
-              <a:t>Main Menu</a:t>
+              <a:t>Go Back</a:t>
             </a:r>
           </a:p>
         </p:txBody>
@@ -4571,10 +4639,23 @@
           <a:lstStyle/>
           <a:p>
             <a:pPr algn="ctr"/>
-            <a:endParaRPr lang="en-GB" dirty="0">
-              <a:latin typeface="Calibri" panose="020F0502020204030204" pitchFamily="34" charset="0"/>
-              <a:cs typeface="Calibri" panose="020F0502020204030204" pitchFamily="34" charset="0"/>
-            </a:endParaRPr>
+            <a:r>
+              <a:rPr lang="en-GB" dirty="0">
+                <a:latin typeface="Calibri" panose="020F0502020204030204" pitchFamily="34" charset="0"/>
+                <a:cs typeface="Calibri" panose="020F0502020204030204" pitchFamily="34" charset="0"/>
+              </a:rPr>
+              <a:t>Modify</a:t>
+            </a:r>
+          </a:p>
+          <a:p>
+            <a:pPr algn="ctr"/>
+            <a:r>
+              <a:rPr lang="en-GB" dirty="0">
+                <a:latin typeface="Calibri" panose="020F0502020204030204" pitchFamily="34" charset="0"/>
+                <a:cs typeface="Calibri" panose="020F0502020204030204" pitchFamily="34" charset="0"/>
+              </a:rPr>
+              <a:t>General Broadcasts</a:t>
+            </a:r>
           </a:p>
         </p:txBody>
       </p:sp>
